--- a/doc/slides/day2/session3/ProjectOrg.pptx
+++ b/doc/slides/day2/session3/ProjectOrg.pptx
@@ -5,10 +5,16 @@
     <p:sldMasterId id="2147483648" r:id="rId1"/>
   </p:sldMasterIdLst>
   <p:notesMasterIdLst>
-    <p:notesMasterId r:id="rId3"/>
+    <p:notesMasterId r:id="rId9"/>
   </p:notesMasterIdLst>
   <p:sldIdLst>
     <p:sldId id="256" r:id="rId2"/>
+    <p:sldId id="257" r:id="rId3"/>
+    <p:sldId id="260" r:id="rId4"/>
+    <p:sldId id="258" r:id="rId5"/>
+    <p:sldId id="259" r:id="rId6"/>
+    <p:sldId id="261" r:id="rId7"/>
+    <p:sldId id="262" r:id="rId8"/>
   </p:sldIdLst>
   <p:sldSz cx="9144000" cy="6858000" type="screen4x3"/>
   <p:notesSz cx="6858000" cy="9144000"/>
@@ -192,7 +198,8 @@
           <a:p>
             <a:fld id="{A3D1AA53-AABD-6B49-992F-E061A7498157}" type="datetimeFigureOut">
               <a:rPr lang="en-US" smtClean="0"/>
-              <a:t>8/29/12</a:t>
+              <a:pPr/>
+              <a:t>9/3/12</a:t>
             </a:fld>
             <a:endParaRPr lang="en-US"/>
           </a:p>
@@ -353,6 +360,7 @@
           <a:p>
             <a:fld id="{5C6AEE8C-7E75-B34B-94B0-1167AF240711}" type="slidenum">
               <a:rPr lang="en-US" smtClean="0"/>
+              <a:pPr/>
               <a:t>‹#›</a:t>
             </a:fld>
             <a:endParaRPr lang="en-US"/>
@@ -532,6 +540,7 @@
           <a:p>
             <a:fld id="{5C6AEE8C-7E75-B34B-94B0-1167AF240711}" type="slidenum">
               <a:rPr lang="en-US" smtClean="0"/>
+              <a:pPr/>
               <a:t>1</a:t>
             </a:fld>
             <a:endParaRPr lang="en-US"/>
@@ -728,7 +737,7 @@
             <a:fld id="{653A51A6-7484-E546-BA42-A31390E7BDE5}" type="datetimeFigureOut">
               <a:rPr lang="en-US" smtClean="0"/>
               <a:pPr/>
-              <a:t>8/29/12</a:t>
+              <a:t>9/3/12</a:t>
             </a:fld>
             <a:endParaRPr lang="en-US"/>
           </a:p>
@@ -895,7 +904,7 @@
             <a:fld id="{653A51A6-7484-E546-BA42-A31390E7BDE5}" type="datetimeFigureOut">
               <a:rPr lang="en-US" smtClean="0"/>
               <a:pPr/>
-              <a:t>8/29/12</a:t>
+              <a:t>9/3/12</a:t>
             </a:fld>
             <a:endParaRPr lang="en-US"/>
           </a:p>
@@ -1072,7 +1081,7 @@
             <a:fld id="{653A51A6-7484-E546-BA42-A31390E7BDE5}" type="datetimeFigureOut">
               <a:rPr lang="en-US" smtClean="0"/>
               <a:pPr/>
-              <a:t>8/29/12</a:t>
+              <a:t>9/3/12</a:t>
             </a:fld>
             <a:endParaRPr lang="en-US"/>
           </a:p>
@@ -1239,7 +1248,7 @@
             <a:fld id="{653A51A6-7484-E546-BA42-A31390E7BDE5}" type="datetimeFigureOut">
               <a:rPr lang="en-US" smtClean="0"/>
               <a:pPr/>
-              <a:t>8/29/12</a:t>
+              <a:t>9/3/12</a:t>
             </a:fld>
             <a:endParaRPr lang="en-US"/>
           </a:p>
@@ -1482,7 +1491,7 @@
             <a:fld id="{653A51A6-7484-E546-BA42-A31390E7BDE5}" type="datetimeFigureOut">
               <a:rPr lang="en-US" smtClean="0"/>
               <a:pPr/>
-              <a:t>8/29/12</a:t>
+              <a:t>9/3/12</a:t>
             </a:fld>
             <a:endParaRPr lang="en-US"/>
           </a:p>
@@ -1767,7 +1776,7 @@
             <a:fld id="{653A51A6-7484-E546-BA42-A31390E7BDE5}" type="datetimeFigureOut">
               <a:rPr lang="en-US" smtClean="0"/>
               <a:pPr/>
-              <a:t>8/29/12</a:t>
+              <a:t>9/3/12</a:t>
             </a:fld>
             <a:endParaRPr lang="en-US"/>
           </a:p>
@@ -2186,7 +2195,7 @@
             <a:fld id="{653A51A6-7484-E546-BA42-A31390E7BDE5}" type="datetimeFigureOut">
               <a:rPr lang="en-US" smtClean="0"/>
               <a:pPr/>
-              <a:t>8/29/12</a:t>
+              <a:t>9/3/12</a:t>
             </a:fld>
             <a:endParaRPr lang="en-US"/>
           </a:p>
@@ -2301,7 +2310,7 @@
             <a:fld id="{653A51A6-7484-E546-BA42-A31390E7BDE5}" type="datetimeFigureOut">
               <a:rPr lang="en-US" smtClean="0"/>
               <a:pPr/>
-              <a:t>8/29/12</a:t>
+              <a:t>9/3/12</a:t>
             </a:fld>
             <a:endParaRPr lang="en-US"/>
           </a:p>
@@ -2393,7 +2402,7 @@
             <a:fld id="{653A51A6-7484-E546-BA42-A31390E7BDE5}" type="datetimeFigureOut">
               <a:rPr lang="en-US" smtClean="0"/>
               <a:pPr/>
-              <a:t>8/29/12</a:t>
+              <a:t>9/3/12</a:t>
             </a:fld>
             <a:endParaRPr lang="en-US"/>
           </a:p>
@@ -2667,7 +2676,7 @@
             <a:fld id="{653A51A6-7484-E546-BA42-A31390E7BDE5}" type="datetimeFigureOut">
               <a:rPr lang="en-US" smtClean="0"/>
               <a:pPr/>
-              <a:t>8/29/12</a:t>
+              <a:t>9/3/12</a:t>
             </a:fld>
             <a:endParaRPr lang="en-US"/>
           </a:p>
@@ -2917,7 +2926,7 @@
             <a:fld id="{653A51A6-7484-E546-BA42-A31390E7BDE5}" type="datetimeFigureOut">
               <a:rPr lang="en-US" smtClean="0"/>
               <a:pPr/>
-              <a:t>8/29/12</a:t>
+              <a:t>9/3/12</a:t>
             </a:fld>
             <a:endParaRPr lang="en-US"/>
           </a:p>
@@ -3127,7 +3136,7 @@
             <a:fld id="{653A51A6-7484-E546-BA42-A31390E7BDE5}" type="datetimeFigureOut">
               <a:rPr lang="en-US" smtClean="0"/>
               <a:pPr/>
-              <a:t>8/29/12</a:t>
+              <a:t>9/3/12</a:t>
             </a:fld>
             <a:endParaRPr lang="en-US"/>
           </a:p>
@@ -3541,6 +3550,418 @@
               <a:t>12 September 2012, 14.00-16.00</a:t>
             </a:r>
             <a:endParaRPr lang="en-US" dirty="0"/>
+          </a:p>
+        </p:txBody>
+      </p:sp>
+    </p:spTree>
+  </p:cSld>
+  <p:clrMapOvr>
+    <a:masterClrMapping/>
+  </p:clrMapOvr>
+</p:sld>
+</file>
+
+<file path=ppt/slides/slide2.xml><?xml version="1.0" encoding="utf-8"?>
+<p:sld xmlns:a="http://schemas.openxmlformats.org/drawingml/2006/main" xmlns:r="http://schemas.openxmlformats.org/officeDocument/2006/relationships" xmlns:mc="http://schemas.openxmlformats.org/markup-compatibility/2006" xmlns:mv="urn:schemas-microsoft-com:mac:vml" xmlns:p="http://schemas.openxmlformats.org/presentationml/2006/main" mc:Ignorable="mv" mc:PreserveAttributes="mv:*">
+  <p:cSld>
+    <p:spTree>
+      <p:nvGrpSpPr>
+        <p:cNvPr id="1" name=""/>
+        <p:cNvGrpSpPr/>
+        <p:nvPr/>
+      </p:nvGrpSpPr>
+      <p:grpSpPr>
+        <a:xfrm>
+          <a:off x="0" y="0"/>
+          <a:ext cx="0" cy="0"/>
+          <a:chOff x="0" y="0"/>
+          <a:chExt cx="0" cy="0"/>
+        </a:xfrm>
+      </p:grpSpPr>
+      <p:sp>
+        <p:nvSpPr>
+          <p:cNvPr id="2" name="Title 1"/>
+          <p:cNvSpPr>
+            <a:spLocks noGrp="1"/>
+          </p:cNvSpPr>
+          <p:nvPr>
+            <p:ph type="title"/>
+          </p:nvPr>
+        </p:nvSpPr>
+        <p:spPr/>
+        <p:txBody>
+          <a:bodyPr/>
+          <a:lstStyle/>
+          <a:p>
+            <a:r>
+              <a:rPr lang="en-US" dirty="0" smtClean="0"/>
+              <a:t>How research actually works</a:t>
+            </a:r>
+            <a:endParaRPr lang="en-US" dirty="0"/>
+          </a:p>
+        </p:txBody>
+      </p:sp>
+      <p:sp>
+        <p:nvSpPr>
+          <p:cNvPr id="3" name="Content Placeholder 2"/>
+          <p:cNvSpPr>
+            <a:spLocks noGrp="1"/>
+          </p:cNvSpPr>
+          <p:nvPr>
+            <p:ph idx="1"/>
+          </p:nvPr>
+        </p:nvSpPr>
+        <p:spPr/>
+        <p:txBody>
+          <a:bodyPr/>
+          <a:lstStyle/>
+          <a:p>
+            <a:endParaRPr lang="en-US"/>
+          </a:p>
+        </p:txBody>
+      </p:sp>
+    </p:spTree>
+  </p:cSld>
+  <p:clrMapOvr>
+    <a:masterClrMapping/>
+  </p:clrMapOvr>
+</p:sld>
+</file>
+
+<file path=ppt/slides/slide3.xml><?xml version="1.0" encoding="utf-8"?>
+<p:sld xmlns:a="http://schemas.openxmlformats.org/drawingml/2006/main" xmlns:r="http://schemas.openxmlformats.org/officeDocument/2006/relationships" xmlns:mc="http://schemas.openxmlformats.org/markup-compatibility/2006" xmlns:mv="urn:schemas-microsoft-com:mac:vml" xmlns:p="http://schemas.openxmlformats.org/presentationml/2006/main" mc:Ignorable="mv" mc:PreserveAttributes="mv:*">
+  <p:cSld>
+    <p:spTree>
+      <p:nvGrpSpPr>
+        <p:cNvPr id="1" name=""/>
+        <p:cNvGrpSpPr/>
+        <p:nvPr/>
+      </p:nvGrpSpPr>
+      <p:grpSpPr>
+        <a:xfrm>
+          <a:off x="0" y="0"/>
+          <a:ext cx="0" cy="0"/>
+          <a:chOff x="0" y="0"/>
+          <a:chExt cx="0" cy="0"/>
+        </a:xfrm>
+      </p:grpSpPr>
+      <p:sp>
+        <p:nvSpPr>
+          <p:cNvPr id="2" name="Title 1"/>
+          <p:cNvSpPr>
+            <a:spLocks noGrp="1"/>
+          </p:cNvSpPr>
+          <p:nvPr>
+            <p:ph type="title"/>
+          </p:nvPr>
+        </p:nvSpPr>
+        <p:spPr/>
+        <p:txBody>
+          <a:bodyPr/>
+          <a:lstStyle/>
+          <a:p>
+            <a:r>
+              <a:rPr lang="en-US" dirty="0" smtClean="0"/>
+              <a:t>A project-oriented view</a:t>
+            </a:r>
+            <a:endParaRPr lang="en-US" dirty="0"/>
+          </a:p>
+        </p:txBody>
+      </p:sp>
+      <p:sp>
+        <p:nvSpPr>
+          <p:cNvPr id="3" name="Content Placeholder 2"/>
+          <p:cNvSpPr>
+            <a:spLocks noGrp="1"/>
+          </p:cNvSpPr>
+          <p:nvPr>
+            <p:ph idx="1"/>
+          </p:nvPr>
+        </p:nvSpPr>
+        <p:spPr/>
+        <p:txBody>
+          <a:bodyPr/>
+          <a:lstStyle/>
+          <a:p>
+            <a:endParaRPr lang="en-US"/>
+          </a:p>
+        </p:txBody>
+      </p:sp>
+    </p:spTree>
+  </p:cSld>
+  <p:clrMapOvr>
+    <a:masterClrMapping/>
+  </p:clrMapOvr>
+</p:sld>
+</file>
+
+<file path=ppt/slides/slide4.xml><?xml version="1.0" encoding="utf-8"?>
+<p:sld xmlns:a="http://schemas.openxmlformats.org/drawingml/2006/main" xmlns:r="http://schemas.openxmlformats.org/officeDocument/2006/relationships" xmlns:mc="http://schemas.openxmlformats.org/markup-compatibility/2006" xmlns:mv="urn:schemas-microsoft-com:mac:vml" xmlns:p="http://schemas.openxmlformats.org/presentationml/2006/main" mc:Ignorable="mv" mc:PreserveAttributes="mv:*">
+  <p:cSld>
+    <p:spTree>
+      <p:nvGrpSpPr>
+        <p:cNvPr id="1" name=""/>
+        <p:cNvGrpSpPr/>
+        <p:nvPr/>
+      </p:nvGrpSpPr>
+      <p:grpSpPr>
+        <a:xfrm>
+          <a:off x="0" y="0"/>
+          <a:ext cx="0" cy="0"/>
+          <a:chOff x="0" y="0"/>
+          <a:chExt cx="0" cy="0"/>
+        </a:xfrm>
+      </p:grpSpPr>
+      <p:sp>
+        <p:nvSpPr>
+          <p:cNvPr id="2" name="Title 1"/>
+          <p:cNvSpPr>
+            <a:spLocks noGrp="1"/>
+          </p:cNvSpPr>
+          <p:nvPr>
+            <p:ph type="title"/>
+          </p:nvPr>
+        </p:nvSpPr>
+        <p:spPr/>
+        <p:txBody>
+          <a:bodyPr/>
+          <a:lstStyle/>
+          <a:p>
+            <a:r>
+              <a:rPr lang="en-US" dirty="0" smtClean="0"/>
+              <a:t>Project management</a:t>
+            </a:r>
+            <a:endParaRPr lang="en-US" dirty="0"/>
+          </a:p>
+        </p:txBody>
+      </p:sp>
+      <p:sp>
+        <p:nvSpPr>
+          <p:cNvPr id="3" name="Content Placeholder 2"/>
+          <p:cNvSpPr>
+            <a:spLocks noGrp="1"/>
+          </p:cNvSpPr>
+          <p:nvPr>
+            <p:ph idx="1"/>
+          </p:nvPr>
+        </p:nvSpPr>
+        <p:spPr/>
+        <p:txBody>
+          <a:bodyPr/>
+          <a:lstStyle/>
+          <a:p>
+            <a:endParaRPr lang="en-US"/>
+          </a:p>
+        </p:txBody>
+      </p:sp>
+    </p:spTree>
+  </p:cSld>
+  <p:clrMapOvr>
+    <a:masterClrMapping/>
+  </p:clrMapOvr>
+</p:sld>
+</file>
+
+<file path=ppt/slides/slide5.xml><?xml version="1.0" encoding="utf-8"?>
+<p:sld xmlns:a="http://schemas.openxmlformats.org/drawingml/2006/main" xmlns:r="http://schemas.openxmlformats.org/officeDocument/2006/relationships" xmlns:mc="http://schemas.openxmlformats.org/markup-compatibility/2006" xmlns:mv="urn:schemas-microsoft-com:mac:vml" xmlns:p="http://schemas.openxmlformats.org/presentationml/2006/main" mc:Ignorable="mv" mc:PreserveAttributes="mv:*">
+  <p:cSld>
+    <p:spTree>
+      <p:nvGrpSpPr>
+        <p:cNvPr id="1" name=""/>
+        <p:cNvGrpSpPr/>
+        <p:nvPr/>
+      </p:nvGrpSpPr>
+      <p:grpSpPr>
+        <a:xfrm>
+          <a:off x="0" y="0"/>
+          <a:ext cx="0" cy="0"/>
+          <a:chOff x="0" y="0"/>
+          <a:chExt cx="0" cy="0"/>
+        </a:xfrm>
+      </p:grpSpPr>
+      <p:sp>
+        <p:nvSpPr>
+          <p:cNvPr id="2" name="Title 1"/>
+          <p:cNvSpPr>
+            <a:spLocks noGrp="1"/>
+          </p:cNvSpPr>
+          <p:nvPr>
+            <p:ph type="title"/>
+          </p:nvPr>
+        </p:nvSpPr>
+        <p:spPr/>
+        <p:txBody>
+          <a:bodyPr/>
+          <a:lstStyle/>
+          <a:p>
+            <a:r>
+              <a:rPr lang="en-US" dirty="0" smtClean="0"/>
+              <a:t>Project organization</a:t>
+            </a:r>
+            <a:endParaRPr lang="en-US" dirty="0"/>
+          </a:p>
+        </p:txBody>
+      </p:sp>
+      <p:sp>
+        <p:nvSpPr>
+          <p:cNvPr id="3" name="Content Placeholder 2"/>
+          <p:cNvSpPr>
+            <a:spLocks noGrp="1"/>
+          </p:cNvSpPr>
+          <p:nvPr>
+            <p:ph idx="1"/>
+          </p:nvPr>
+        </p:nvSpPr>
+        <p:spPr/>
+        <p:txBody>
+          <a:bodyPr/>
+          <a:lstStyle/>
+          <a:p>
+            <a:endParaRPr lang="en-US"/>
+          </a:p>
+        </p:txBody>
+      </p:sp>
+    </p:spTree>
+  </p:cSld>
+  <p:clrMapOvr>
+    <a:masterClrMapping/>
+  </p:clrMapOvr>
+</p:sld>
+</file>
+
+<file path=ppt/slides/slide6.xml><?xml version="1.0" encoding="utf-8"?>
+<p:sld xmlns:a="http://schemas.openxmlformats.org/drawingml/2006/main" xmlns:r="http://schemas.openxmlformats.org/officeDocument/2006/relationships" xmlns:mc="http://schemas.openxmlformats.org/markup-compatibility/2006" xmlns:mv="urn:schemas-microsoft-com:mac:vml" xmlns:p="http://schemas.openxmlformats.org/presentationml/2006/main" mc:Ignorable="mv" mc:PreserveAttributes="mv:*">
+  <p:cSld>
+    <p:spTree>
+      <p:nvGrpSpPr>
+        <p:cNvPr id="1" name=""/>
+        <p:cNvGrpSpPr/>
+        <p:nvPr/>
+      </p:nvGrpSpPr>
+      <p:grpSpPr>
+        <a:xfrm>
+          <a:off x="0" y="0"/>
+          <a:ext cx="0" cy="0"/>
+          <a:chOff x="0" y="0"/>
+          <a:chExt cx="0" cy="0"/>
+        </a:xfrm>
+      </p:grpSpPr>
+      <p:sp>
+        <p:nvSpPr>
+          <p:cNvPr id="2" name="Title 1"/>
+          <p:cNvSpPr>
+            <a:spLocks noGrp="1"/>
+          </p:cNvSpPr>
+          <p:nvPr>
+            <p:ph type="title"/>
+          </p:nvPr>
+        </p:nvSpPr>
+        <p:spPr/>
+        <p:txBody>
+          <a:bodyPr/>
+          <a:lstStyle/>
+          <a:p>
+            <a:r>
+              <a:rPr lang="en-US" dirty="0" smtClean="0"/>
+              <a:t>Directory structure</a:t>
+            </a:r>
+            <a:endParaRPr lang="en-US" dirty="0"/>
+          </a:p>
+        </p:txBody>
+      </p:sp>
+      <p:sp>
+        <p:nvSpPr>
+          <p:cNvPr id="3" name="Content Placeholder 2"/>
+          <p:cNvSpPr>
+            <a:spLocks noGrp="1"/>
+          </p:cNvSpPr>
+          <p:nvPr>
+            <p:ph idx="1"/>
+          </p:nvPr>
+        </p:nvSpPr>
+        <p:spPr/>
+        <p:txBody>
+          <a:bodyPr/>
+          <a:lstStyle/>
+          <a:p>
+            <a:endParaRPr lang="en-US"/>
+          </a:p>
+        </p:txBody>
+      </p:sp>
+    </p:spTree>
+  </p:cSld>
+  <p:clrMapOvr>
+    <a:masterClrMapping/>
+  </p:clrMapOvr>
+</p:sld>
+</file>
+
+<file path=ppt/slides/slide7.xml><?xml version="1.0" encoding="utf-8"?>
+<p:sld xmlns:a="http://schemas.openxmlformats.org/drawingml/2006/main" xmlns:r="http://schemas.openxmlformats.org/officeDocument/2006/relationships" xmlns:mc="http://schemas.openxmlformats.org/markup-compatibility/2006" xmlns:mv="urn:schemas-microsoft-com:mac:vml" xmlns:p="http://schemas.openxmlformats.org/presentationml/2006/main" mc:Ignorable="mv" mc:PreserveAttributes="mv:*">
+  <p:cSld>
+    <p:spTree>
+      <p:nvGrpSpPr>
+        <p:cNvPr id="1" name=""/>
+        <p:cNvGrpSpPr/>
+        <p:nvPr/>
+      </p:nvGrpSpPr>
+      <p:grpSpPr>
+        <a:xfrm>
+          <a:off x="0" y="0"/>
+          <a:ext cx="0" cy="0"/>
+          <a:chOff x="0" y="0"/>
+          <a:chExt cx="0" cy="0"/>
+        </a:xfrm>
+      </p:grpSpPr>
+      <p:sp>
+        <p:nvSpPr>
+          <p:cNvPr id="2" name="Title 1"/>
+          <p:cNvSpPr>
+            <a:spLocks noGrp="1"/>
+          </p:cNvSpPr>
+          <p:nvPr>
+            <p:ph type="title"/>
+          </p:nvPr>
+        </p:nvSpPr>
+        <p:spPr/>
+        <p:txBody>
+          <a:bodyPr>
+            <a:normAutofit fontScale="90000"/>
+          </a:bodyPr>
+          <a:lstStyle/>
+          <a:p>
+            <a:r>
+              <a:rPr lang="en-US" dirty="0" smtClean="0"/>
+              <a:t>Exercise: download and unzip </a:t>
+            </a:r>
+            <a:r>
+              <a:rPr lang="en-US" dirty="0" err="1" smtClean="0"/>
+              <a:t>git</a:t>
+            </a:r>
+            <a:r>
+              <a:rPr lang="en-US" dirty="0" smtClean="0"/>
+              <a:t> repo</a:t>
+            </a:r>
+            <a:endParaRPr lang="en-US" dirty="0"/>
+          </a:p>
+        </p:txBody>
+      </p:sp>
+      <p:sp>
+        <p:nvSpPr>
+          <p:cNvPr id="3" name="Content Placeholder 2"/>
+          <p:cNvSpPr>
+            <a:spLocks noGrp="1"/>
+          </p:cNvSpPr>
+          <p:nvPr>
+            <p:ph idx="1"/>
+          </p:nvPr>
+        </p:nvSpPr>
+        <p:spPr/>
+        <p:txBody>
+          <a:bodyPr/>
+          <a:lstStyle/>
+          <a:p>
+            <a:endParaRPr lang="en-US"/>
           </a:p>
         </p:txBody>
       </p:sp>

--- a/doc/slides/day2/session3/ProjectOrg.pptx
+++ b/doc/slides/day2/session3/ProjectOrg.pptx
@@ -199,7 +199,7 @@
             <a:fld id="{A3D1AA53-AABD-6B49-992F-E061A7498157}" type="datetimeFigureOut">
               <a:rPr lang="en-US" smtClean="0"/>
               <a:pPr/>
-              <a:t>9/3/12</a:t>
+              <a:t>9/5/12</a:t>
             </a:fld>
             <a:endParaRPr lang="en-US"/>
           </a:p>
@@ -513,11 +513,15 @@
           <a:p>
             <a:r>
               <a:rPr lang="en-US" dirty="0" smtClean="0"/>
-              <a:t>Explore layout of projects</a:t>
-            </a:r>
-            <a:r>
-              <a:rPr lang="en-US" smtClean="0"/>
-              <a:t>, ref: http://dx.doi.org/10.1371/journal.pcbi.1000424</a:t>
+              <a:t>Explore layout of </a:t>
+            </a:r>
+            <a:r>
+              <a:rPr lang="en-US" dirty="0" smtClean="0"/>
+              <a:t>projects.</a:t>
+            </a:r>
+            <a:r>
+              <a:rPr lang="en-US" baseline="0" dirty="0" smtClean="0"/>
+              <a:t> This is a very short presentation, but that will allow for spill-over from the installation session before lunch.</a:t>
             </a:r>
             <a:endParaRPr lang="en-US" dirty="0"/>
           </a:p>
@@ -737,7 +741,7 @@
             <a:fld id="{653A51A6-7484-E546-BA42-A31390E7BDE5}" type="datetimeFigureOut">
               <a:rPr lang="en-US" smtClean="0"/>
               <a:pPr/>
-              <a:t>9/3/12</a:t>
+              <a:t>9/5/12</a:t>
             </a:fld>
             <a:endParaRPr lang="en-US"/>
           </a:p>
@@ -904,7 +908,7 @@
             <a:fld id="{653A51A6-7484-E546-BA42-A31390E7BDE5}" type="datetimeFigureOut">
               <a:rPr lang="en-US" smtClean="0"/>
               <a:pPr/>
-              <a:t>9/3/12</a:t>
+              <a:t>9/5/12</a:t>
             </a:fld>
             <a:endParaRPr lang="en-US"/>
           </a:p>
@@ -1081,7 +1085,7 @@
             <a:fld id="{653A51A6-7484-E546-BA42-A31390E7BDE5}" type="datetimeFigureOut">
               <a:rPr lang="en-US" smtClean="0"/>
               <a:pPr/>
-              <a:t>9/3/12</a:t>
+              <a:t>9/5/12</a:t>
             </a:fld>
             <a:endParaRPr lang="en-US"/>
           </a:p>
@@ -1248,7 +1252,7 @@
             <a:fld id="{653A51A6-7484-E546-BA42-A31390E7BDE5}" type="datetimeFigureOut">
               <a:rPr lang="en-US" smtClean="0"/>
               <a:pPr/>
-              <a:t>9/3/12</a:t>
+              <a:t>9/5/12</a:t>
             </a:fld>
             <a:endParaRPr lang="en-US"/>
           </a:p>
@@ -1491,7 +1495,7 @@
             <a:fld id="{653A51A6-7484-E546-BA42-A31390E7BDE5}" type="datetimeFigureOut">
               <a:rPr lang="en-US" smtClean="0"/>
               <a:pPr/>
-              <a:t>9/3/12</a:t>
+              <a:t>9/5/12</a:t>
             </a:fld>
             <a:endParaRPr lang="en-US"/>
           </a:p>
@@ -1776,7 +1780,7 @@
             <a:fld id="{653A51A6-7484-E546-BA42-A31390E7BDE5}" type="datetimeFigureOut">
               <a:rPr lang="en-US" smtClean="0"/>
               <a:pPr/>
-              <a:t>9/3/12</a:t>
+              <a:t>9/5/12</a:t>
             </a:fld>
             <a:endParaRPr lang="en-US"/>
           </a:p>
@@ -2195,7 +2199,7 @@
             <a:fld id="{653A51A6-7484-E546-BA42-A31390E7BDE5}" type="datetimeFigureOut">
               <a:rPr lang="en-US" smtClean="0"/>
               <a:pPr/>
-              <a:t>9/3/12</a:t>
+              <a:t>9/5/12</a:t>
             </a:fld>
             <a:endParaRPr lang="en-US"/>
           </a:p>
@@ -2310,7 +2314,7 @@
             <a:fld id="{653A51A6-7484-E546-BA42-A31390E7BDE5}" type="datetimeFigureOut">
               <a:rPr lang="en-US" smtClean="0"/>
               <a:pPr/>
-              <a:t>9/3/12</a:t>
+              <a:t>9/5/12</a:t>
             </a:fld>
             <a:endParaRPr lang="en-US"/>
           </a:p>
@@ -2402,7 +2406,7 @@
             <a:fld id="{653A51A6-7484-E546-BA42-A31390E7BDE5}" type="datetimeFigureOut">
               <a:rPr lang="en-US" smtClean="0"/>
               <a:pPr/>
-              <a:t>9/3/12</a:t>
+              <a:t>9/5/12</a:t>
             </a:fld>
             <a:endParaRPr lang="en-US"/>
           </a:p>
@@ -2676,7 +2680,7 @@
             <a:fld id="{653A51A6-7484-E546-BA42-A31390E7BDE5}" type="datetimeFigureOut">
               <a:rPr lang="en-US" smtClean="0"/>
               <a:pPr/>
-              <a:t>9/3/12</a:t>
+              <a:t>9/5/12</a:t>
             </a:fld>
             <a:endParaRPr lang="en-US"/>
           </a:p>
@@ -2926,7 +2930,7 @@
             <a:fld id="{653A51A6-7484-E546-BA42-A31390E7BDE5}" type="datetimeFigureOut">
               <a:rPr lang="en-US" smtClean="0"/>
               <a:pPr/>
-              <a:t>9/3/12</a:t>
+              <a:t>9/5/12</a:t>
             </a:fld>
             <a:endParaRPr lang="en-US"/>
           </a:p>
@@ -3136,7 +3140,7 @@
             <a:fld id="{653A51A6-7484-E546-BA42-A31390E7BDE5}" type="datetimeFigureOut">
               <a:rPr lang="en-US" smtClean="0"/>
               <a:pPr/>
-              <a:t>9/3/12</a:t>
+              <a:t>9/5/12</a:t>
             </a:fld>
             <a:endParaRPr lang="en-US"/>
           </a:p>
@@ -3558,6 +3562,13 @@
   <p:clrMapOvr>
     <a:masterClrMapping/>
   </p:clrMapOvr>
+  <p:timing>
+    <p:tnLst>
+      <p:par>
+        <p:cTn id="1" dur="indefinite" restart="never" nodeType="tmRoot"/>
+      </p:par>
+    </p:tnLst>
+  </p:timing>
 </p:sld>
 </file>
 
@@ -3616,7 +3627,33 @@
           <a:bodyPr/>
           <a:lstStyle/>
           <a:p>
-            <a:endParaRPr lang="en-US"/>
+            <a:r>
+              <a:rPr lang="en-US" dirty="0" smtClean="0"/>
+              <a:t>Research </a:t>
+            </a:r>
+            <a:r>
+              <a:rPr lang="en-US" dirty="0" smtClean="0"/>
+              <a:t>is iterative: we make mistakes, acquire more data, learn new techniques</a:t>
+            </a:r>
+          </a:p>
+          <a:p>
+            <a:r>
+              <a:rPr lang="en-US" dirty="0" smtClean="0"/>
+              <a:t>Different studies are done in parallel</a:t>
+            </a:r>
+          </a:p>
+          <a:p>
+            <a:r>
+              <a:rPr lang="en-US" dirty="0" smtClean="0"/>
+              <a:t>Many months later (e.g. after reviews) you will have to re-visit old work</a:t>
+            </a:r>
+          </a:p>
+          <a:p>
+            <a:r>
+              <a:rPr lang="en-US" dirty="0" smtClean="0"/>
+              <a:t>Research is done collaboratively, sometimes with people you don't know</a:t>
+            </a:r>
+            <a:endParaRPr lang="en-US" dirty="0"/>
           </a:p>
         </p:txBody>
       </p:sp>
@@ -3625,6 +3662,13 @@
   <p:clrMapOvr>
     <a:masterClrMapping/>
   </p:clrMapOvr>
+  <p:timing>
+    <p:tnLst>
+      <p:par>
+        <p:cTn id="1" dur="indefinite" restart="never" nodeType="tmRoot"/>
+      </p:par>
+    </p:tnLst>
+  </p:timing>
 </p:sld>
 </file>
 
@@ -3683,7 +3727,27 @@
           <a:bodyPr/>
           <a:lstStyle/>
           <a:p>
-            <a:endParaRPr lang="en-US"/>
+            <a:r>
+              <a:rPr lang="en-US" dirty="0" smtClean="0"/>
+              <a:t>Every study should be organized as a self-contained project</a:t>
+            </a:r>
+          </a:p>
+          <a:p>
+            <a:r>
+              <a:rPr lang="en-US" dirty="0" smtClean="0"/>
+              <a:t>You should be able to share everything that relates to the project easily</a:t>
+            </a:r>
+          </a:p>
+          <a:p>
+            <a:r>
+              <a:rPr lang="en-US" dirty="0" smtClean="0"/>
+              <a:t>You should be able to archive and retrieve </a:t>
+            </a:r>
+            <a:r>
+              <a:rPr lang="en-US" dirty="0" smtClean="0"/>
+              <a:t>the project easily</a:t>
+            </a:r>
+            <a:endParaRPr lang="en-US" dirty="0" smtClean="0"/>
           </a:p>
         </p:txBody>
       </p:sp>
@@ -3692,6 +3756,13 @@
   <p:clrMapOvr>
     <a:masterClrMapping/>
   </p:clrMapOvr>
+  <p:timing>
+    <p:tnLst>
+      <p:par>
+        <p:cTn id="1" dur="indefinite" restart="never" nodeType="tmRoot"/>
+      </p:par>
+    </p:tnLst>
+  </p:timing>
 </p:sld>
 </file>
 
@@ -3846,6 +3917,30 @@
           <a:chExt cx="0" cy="0"/>
         </a:xfrm>
       </p:grpSpPr>
+      <p:pic>
+        <p:nvPicPr>
+          <p:cNvPr id="9" name="Picture 8" descr="journal.pcbi.1000424.g001.png"/>
+          <p:cNvPicPr>
+            <a:picLocks noChangeAspect="1"/>
+          </p:cNvPicPr>
+          <p:nvPr/>
+        </p:nvPicPr>
+        <p:blipFill>
+          <a:blip r:embed="rId2"/>
+          <a:stretch>
+            <a:fillRect/>
+          </a:stretch>
+        </p:blipFill>
+        <p:spPr>
+          <a:xfrm>
+            <a:off x="1447800" y="2743200"/>
+            <a:ext cx="6299201" cy="3517900"/>
+          </a:xfrm>
+          <a:prstGeom prst="rect">
+            <a:avLst/>
+          </a:prstGeom>
+        </p:spPr>
+      </p:pic>
       <p:sp>
         <p:nvSpPr>
           <p:cNvPr id="2" name="Title 1"/>
@@ -3871,7 +3966,7 @@
       </p:sp>
       <p:sp>
         <p:nvSpPr>
-          <p:cNvPr id="3" name="Content Placeholder 2"/>
+          <p:cNvPr id="8" name="Content Placeholder 7"/>
           <p:cNvSpPr>
             <a:spLocks noGrp="1"/>
           </p:cNvSpPr>
@@ -3879,12 +3974,24 @@
             <p:ph idx="1"/>
           </p:nvPr>
         </p:nvSpPr>
-        <p:spPr/>
-        <p:txBody>
-          <a:bodyPr/>
-          <a:lstStyle/>
-          <a:p>
-            <a:endParaRPr lang="en-US"/>
+        <p:spPr>
+          <a:xfrm>
+            <a:off x="457200" y="1600201"/>
+            <a:ext cx="8229600" cy="2057400"/>
+          </a:xfrm>
+        </p:spPr>
+        <p:txBody>
+          <a:bodyPr/>
+          <a:lstStyle/>
+          <a:p>
+            <a:pPr marL="0" indent="0">
+              <a:buNone/>
+            </a:pPr>
+            <a:r>
+              <a:rPr lang="en-US" dirty="0" smtClean="0"/>
+              <a:t>Choosing a consistent directory structure will help you (and your collaborators) find things later on.</a:t>
+            </a:r>
+            <a:endParaRPr lang="en-US" dirty="0"/>
           </a:p>
         </p:txBody>
       </p:sp>
@@ -3961,7 +4068,48 @@
           <a:bodyPr/>
           <a:lstStyle/>
           <a:p>
-            <a:endParaRPr lang="en-US"/>
+            <a:r>
+              <a:rPr lang="en-US" dirty="0" smtClean="0"/>
+              <a:t>Download and unzip the </a:t>
+            </a:r>
+            <a:r>
+              <a:rPr lang="en-US" dirty="0" smtClean="0"/>
+              <a:t>course repository at </a:t>
+            </a:r>
+            <a:r>
+              <a:rPr lang="en-US" sz="2400" dirty="0" err="1" smtClean="0"/>
+              <a:t>https://github.com/rvosa/ngs-workflows/zipball/</a:t>
+            </a:r>
+            <a:r>
+              <a:rPr lang="en-US" sz="2400" dirty="0" err="1" smtClean="0"/>
+              <a:t>master</a:t>
+            </a:r>
+            <a:endParaRPr lang="en-US" dirty="0" smtClean="0"/>
+          </a:p>
+          <a:p>
+            <a:r>
+              <a:rPr lang="en-US" dirty="0" smtClean="0"/>
+              <a:t>Read the article </a:t>
+            </a:r>
+            <a:br>
+              <a:rPr lang="en-US" dirty="0" smtClean="0"/>
+            </a:br>
+            <a:r>
+              <a:rPr lang="en-US" sz="2400" dirty="0" smtClean="0"/>
+              <a:t>http</a:t>
+            </a:r>
+            <a:r>
+              <a:rPr lang="en-US" sz="2400" dirty="0" smtClean="0"/>
+              <a:t>://dx.doi.org/10.1371/journal.pcbi.1000424</a:t>
+            </a:r>
+            <a:r>
+              <a:rPr lang="en-US" sz="2400" dirty="0" smtClean="0"/>
+              <a:t> </a:t>
+            </a:r>
+            <a:endParaRPr lang="en-US" dirty="0" smtClean="0"/>
+          </a:p>
+          <a:p>
+            <a:endParaRPr lang="en-US" dirty="0"/>
           </a:p>
         </p:txBody>
       </p:sp>
